--- a/210303_React_Hooks.pptx
+++ b/210303_React_Hooks.pptx
@@ -47583,8 +47583,8 @@
         </p:blipFill>
         <p:spPr>
           <a:xfrm>
-            <a:off x="8002820" y="4178788"/>
-            <a:ext cx="1417906" cy="1310574"/>
+            <a:off x="9973287" y="2622687"/>
+            <a:ext cx="1417906" cy="1267458"/>
           </a:xfrm>
           <a:prstGeom prst="rect">
             <a:avLst/>
@@ -47937,6 +47937,11 @@
           <a:prstGeom prst="rect">
             <a:avLst/>
           </a:prstGeom>
+          <a:ln>
+            <a:solidFill>
+              <a:schemeClr val="tx1"/>
+            </a:solidFill>
+          </a:ln>
         </p:spPr>
       </p:pic>
       <p:grpSp>

--- a/210303_React_Hooks.pptx
+++ b/210303_React_Hooks.pptx
@@ -4694,50 +4694,6 @@
           </a:p>
           <a:p>
             <a:endParaRPr lang="en-US" altLang="ko-KR" sz="2800" kern="1200">
-              <a:ln>
-                <a:solidFill>
-                  <a:schemeClr val="tx1">
-                    <a:alpha val="30000"/>
-                  </a:schemeClr>
-                </a:solidFill>
-              </a:ln>
-              <a:solidFill>
-                <a:schemeClr val="tx1"/>
-              </a:solidFill>
-              <a:latin typeface="빙그레 메로나체" panose="020B0503000000000000" pitchFamily="50" charset="-127"/>
-              <a:ea typeface="빙그레 메로나체" panose="020B0503000000000000" pitchFamily="50" charset="-127"/>
-              <a:cs typeface="+mn-cs"/>
-            </a:endParaRPr>
-          </a:p>
-          <a:p>
-            <a:r>
-              <a:rPr lang="ko-KR" altLang="en-US" sz="2800" b="0" i="0">
-                <a:solidFill>
-                  <a:srgbClr val="222426"/>
-                </a:solidFill>
-                <a:effectLst/>
-              </a:rPr>
-              <a:t>컴포넌트가 렌더링 될 때 마다 함수를 새로 생성</a:t>
-            </a:r>
-            <a:endParaRPr lang="en-US" altLang="ko-KR" sz="1800" b="0" kern="1200">
-              <a:ln>
-                <a:solidFill>
-                  <a:schemeClr val="tx1">
-                    <a:alpha val="30000"/>
-                  </a:schemeClr>
-                </a:solidFill>
-              </a:ln>
-              <a:solidFill>
-                <a:schemeClr val="tx1"/>
-              </a:solidFill>
-              <a:latin typeface="빙그레 메로나체" panose="020B0503000000000000" pitchFamily="50" charset="-127"/>
-              <a:ea typeface="빙그레 메로나체" panose="020B0503000000000000" pitchFamily="50" charset="-127"/>
-              <a:cs typeface="+mn-cs"/>
-            </a:endParaRPr>
-          </a:p>
-          <a:p>
-            <a:pPr marL="0" algn="l" defTabSz="914400" rtl="0" eaLnBrk="1" latinLnBrk="1" hangingPunct="1"/>
-            <a:endParaRPr lang="en-US" altLang="ko-KR" sz="1800" kern="1200">
               <a:ln>
                 <a:solidFill>
                   <a:schemeClr val="tx1">
@@ -12304,7 +12260,7 @@
                 <a:latin typeface="빙그레 메로나체" panose="020B0503000000000000" pitchFamily="50" charset="-127"/>
                 <a:ea typeface="빙그레 메로나체" panose="020B0503000000000000" pitchFamily="50" charset="-127"/>
               </a:rPr>
-              <a:t>2021 03 03 Qualcomm Institute </a:t>
+              <a:t>2021 03 04 Qualcomm Institute </a:t>
             </a:r>
           </a:p>
         </p:txBody>
